--- a/Australian Economy Analysis.pptx
+++ b/Australian Economy Analysis.pptx
@@ -120,6 +120,11 @@
       </a:defRPr>
     </a:lvl9pPr>
   </p:defaultTextStyle>
+  <p:extLst>
+    <p:ext uri="{EFAFB233-063F-42B5-8137-9DF3F51BA10A}">
+      <p15:sldGuideLst xmlns:p15="http://schemas.microsoft.com/office/powerpoint/2012/main"/>
+    </p:ext>
+  </p:extLst>
 </p:presentation>
 </file>
 
@@ -254,7 +259,7 @@
           <a:p>
             <a:fld id="{34C3867D-9242-45EA-9AD8-C5BC2C9F2AEE}" type="datetimeFigureOut">
               <a:rPr lang="en-US" smtClean="0"/>
-              <a:t>7/7/2021</a:t>
+              <a:t>08-Jul-21</a:t>
             </a:fld>
             <a:endParaRPr lang="en-US"/>
           </a:p>
@@ -424,7 +429,7 @@
           <a:p>
             <a:fld id="{34C3867D-9242-45EA-9AD8-C5BC2C9F2AEE}" type="datetimeFigureOut">
               <a:rPr lang="en-US" smtClean="0"/>
-              <a:t>7/7/2021</a:t>
+              <a:t>08-Jul-21</a:t>
             </a:fld>
             <a:endParaRPr lang="en-US"/>
           </a:p>
@@ -604,7 +609,7 @@
           <a:p>
             <a:fld id="{34C3867D-9242-45EA-9AD8-C5BC2C9F2AEE}" type="datetimeFigureOut">
               <a:rPr lang="en-US" smtClean="0"/>
-              <a:t>7/7/2021</a:t>
+              <a:t>08-Jul-21</a:t>
             </a:fld>
             <a:endParaRPr lang="en-US"/>
           </a:p>
@@ -774,7 +779,7 @@
           <a:p>
             <a:fld id="{34C3867D-9242-45EA-9AD8-C5BC2C9F2AEE}" type="datetimeFigureOut">
               <a:rPr lang="en-US" smtClean="0"/>
-              <a:t>7/7/2021</a:t>
+              <a:t>08-Jul-21</a:t>
             </a:fld>
             <a:endParaRPr lang="en-US"/>
           </a:p>
@@ -1020,7 +1025,7 @@
           <a:p>
             <a:fld id="{34C3867D-9242-45EA-9AD8-C5BC2C9F2AEE}" type="datetimeFigureOut">
               <a:rPr lang="en-US" smtClean="0"/>
-              <a:t>7/7/2021</a:t>
+              <a:t>08-Jul-21</a:t>
             </a:fld>
             <a:endParaRPr lang="en-US"/>
           </a:p>
@@ -1252,7 +1257,7 @@
           <a:p>
             <a:fld id="{34C3867D-9242-45EA-9AD8-C5BC2C9F2AEE}" type="datetimeFigureOut">
               <a:rPr lang="en-US" smtClean="0"/>
-              <a:t>7/7/2021</a:t>
+              <a:t>08-Jul-21</a:t>
             </a:fld>
             <a:endParaRPr lang="en-US"/>
           </a:p>
@@ -1619,7 +1624,7 @@
           <a:p>
             <a:fld id="{34C3867D-9242-45EA-9AD8-C5BC2C9F2AEE}" type="datetimeFigureOut">
               <a:rPr lang="en-US" smtClean="0"/>
-              <a:t>7/7/2021</a:t>
+              <a:t>08-Jul-21</a:t>
             </a:fld>
             <a:endParaRPr lang="en-US"/>
           </a:p>
@@ -1737,7 +1742,7 @@
           <a:p>
             <a:fld id="{34C3867D-9242-45EA-9AD8-C5BC2C9F2AEE}" type="datetimeFigureOut">
               <a:rPr lang="en-US" smtClean="0"/>
-              <a:t>7/7/2021</a:t>
+              <a:t>08-Jul-21</a:t>
             </a:fld>
             <a:endParaRPr lang="en-US"/>
           </a:p>
@@ -1832,7 +1837,7 @@
           <a:p>
             <a:fld id="{34C3867D-9242-45EA-9AD8-C5BC2C9F2AEE}" type="datetimeFigureOut">
               <a:rPr lang="en-US" smtClean="0"/>
-              <a:t>7/7/2021</a:t>
+              <a:t>08-Jul-21</a:t>
             </a:fld>
             <a:endParaRPr lang="en-US"/>
           </a:p>
@@ -2109,7 +2114,7 @@
           <a:p>
             <a:fld id="{34C3867D-9242-45EA-9AD8-C5BC2C9F2AEE}" type="datetimeFigureOut">
               <a:rPr lang="en-US" smtClean="0"/>
-              <a:t>7/7/2021</a:t>
+              <a:t>08-Jul-21</a:t>
             </a:fld>
             <a:endParaRPr lang="en-US"/>
           </a:p>
@@ -2366,7 +2371,7 @@
           <a:p>
             <a:fld id="{34C3867D-9242-45EA-9AD8-C5BC2C9F2AEE}" type="datetimeFigureOut">
               <a:rPr lang="en-US" smtClean="0"/>
-              <a:t>7/7/2021</a:t>
+              <a:t>08-Jul-21</a:t>
             </a:fld>
             <a:endParaRPr lang="en-US"/>
           </a:p>
@@ -2579,7 +2584,7 @@
           <a:p>
             <a:fld id="{34C3867D-9242-45EA-9AD8-C5BC2C9F2AEE}" type="datetimeFigureOut">
               <a:rPr lang="en-US" smtClean="0"/>
-              <a:t>7/7/2021</a:t>
+              <a:t>08-Jul-21</a:t>
             </a:fld>
             <a:endParaRPr lang="en-US"/>
           </a:p>
@@ -3400,13 +3405,13 @@
   <p:clrMapOvr>
     <a:masterClrMapping/>
   </p:clrMapOvr>
-  <mc:AlternateContent xmlns:mc="http://schemas.openxmlformats.org/markup-compatibility/2006">
-    <mc:Choice xmlns:p159="http://schemas.microsoft.com/office/powerpoint/2015/09/main" Requires="p159">
+  <mc:AlternateContent xmlns:mc="http://schemas.openxmlformats.org/markup-compatibility/2006" xmlns:p159="http://schemas.microsoft.com/office/powerpoint/2015/09/main">
+    <mc:Choice Requires="p159">
       <p:transition xmlns:p14="http://schemas.microsoft.com/office/powerpoint/2010/main" spd="slow" p14:dur="2000">
         <p159:morph option="byObject"/>
       </p:transition>
     </mc:Choice>
-    <mc:Fallback>
+    <mc:Fallback xmlns="">
       <p:transition spd="slow">
         <p:fade/>
       </p:transition>
@@ -3577,13 +3582,13 @@
   <p:clrMapOvr>
     <a:masterClrMapping/>
   </p:clrMapOvr>
-  <mc:AlternateContent xmlns:mc="http://schemas.openxmlformats.org/markup-compatibility/2006">
-    <mc:Choice xmlns:p159="http://schemas.microsoft.com/office/powerpoint/2015/09/main" Requires="p159">
+  <mc:AlternateContent xmlns:mc="http://schemas.openxmlformats.org/markup-compatibility/2006" xmlns:p159="http://schemas.microsoft.com/office/powerpoint/2015/09/main">
+    <mc:Choice Requires="p159">
       <p:transition xmlns:p14="http://schemas.microsoft.com/office/powerpoint/2010/main" spd="slow" p14:dur="2000">
         <p159:morph option="byObject"/>
       </p:transition>
     </mc:Choice>
-    <mc:Fallback>
+    <mc:Fallback xmlns="">
       <p:transition spd="slow">
         <p:fade/>
       </p:transition>
@@ -3802,13 +3807,13 @@
   <p:clrMapOvr>
     <a:masterClrMapping/>
   </p:clrMapOvr>
-  <mc:AlternateContent xmlns:mc="http://schemas.openxmlformats.org/markup-compatibility/2006">
-    <mc:Choice xmlns:p159="http://schemas.microsoft.com/office/powerpoint/2015/09/main" Requires="p159">
+  <mc:AlternateContent xmlns:mc="http://schemas.openxmlformats.org/markup-compatibility/2006" xmlns:p159="http://schemas.microsoft.com/office/powerpoint/2015/09/main">
+    <mc:Choice Requires="p159">
       <p:transition xmlns:p14="http://schemas.microsoft.com/office/powerpoint/2010/main" spd="slow" p14:dur="2000">
         <p159:morph option="byObject"/>
       </p:transition>
     </mc:Choice>
-    <mc:Fallback>
+    <mc:Fallback xmlns="">
       <p:transition spd="slow">
         <p:fade/>
       </p:transition>
@@ -4063,13 +4068,13 @@
   <p:clrMapOvr>
     <a:masterClrMapping/>
   </p:clrMapOvr>
-  <mc:AlternateContent xmlns:mc="http://schemas.openxmlformats.org/markup-compatibility/2006">
-    <mc:Choice xmlns:p159="http://schemas.microsoft.com/office/powerpoint/2015/09/main" Requires="p159">
+  <mc:AlternateContent xmlns:mc="http://schemas.openxmlformats.org/markup-compatibility/2006" xmlns:p159="http://schemas.microsoft.com/office/powerpoint/2015/09/main">
+    <mc:Choice Requires="p159">
       <p:transition xmlns:p14="http://schemas.microsoft.com/office/powerpoint/2010/main" spd="slow" p14:dur="2000">
         <p159:morph option="byObject"/>
       </p:transition>
     </mc:Choice>
-    <mc:Fallback>
+    <mc:Fallback xmlns="">
       <p:transition spd="slow">
         <p:fade/>
       </p:transition>
@@ -4348,13 +4353,13 @@
   <p:clrMapOvr>
     <a:masterClrMapping/>
   </p:clrMapOvr>
-  <mc:AlternateContent xmlns:mc="http://schemas.openxmlformats.org/markup-compatibility/2006">
-    <mc:Choice xmlns:p159="http://schemas.microsoft.com/office/powerpoint/2015/09/main" Requires="p159">
+  <mc:AlternateContent xmlns:mc="http://schemas.openxmlformats.org/markup-compatibility/2006" xmlns:p159="http://schemas.microsoft.com/office/powerpoint/2015/09/main">
+    <mc:Choice Requires="p159">
       <p:transition xmlns:p14="http://schemas.microsoft.com/office/powerpoint/2010/main" spd="slow" p14:dur="2000">
         <p159:morph option="byObject"/>
       </p:transition>
     </mc:Choice>
-    <mc:Fallback>
+    <mc:Fallback xmlns="">
       <p:transition spd="slow">
         <p:fade/>
       </p:transition>
@@ -5146,31 +5151,6 @@
           </a:p>
         </p:txBody>
       </p:sp>
-      <p:sp>
-        <p:nvSpPr>
-          <p:cNvPr id="3" name="Content Placeholder 2">
-            <a:extLst>
-              <a:ext uri="{FF2B5EF4-FFF2-40B4-BE49-F238E27FC236}">
-                <a16:creationId xmlns:a16="http://schemas.microsoft.com/office/drawing/2014/main" id="{5132A5A0-F9F0-401A-9A93-B3D10CACA8E6}"/>
-              </a:ext>
-            </a:extLst>
-          </p:cNvPr>
-          <p:cNvSpPr>
-            <a:spLocks noGrp="1"/>
-          </p:cNvSpPr>
-          <p:nvPr>
-            <p:ph idx="1"/>
-          </p:nvPr>
-        </p:nvSpPr>
-        <p:spPr/>
-        <p:txBody>
-          <a:bodyPr/>
-          <a:lstStyle/>
-          <a:p>
-            <a:endParaRPr lang="en-US" dirty="0"/>
-          </a:p>
-        </p:txBody>
-      </p:sp>
     </p:spTree>
     <p:extLst>
       <p:ext uri="{BB962C8B-B14F-4D97-AF65-F5344CB8AC3E}">
@@ -5277,6 +5257,18 @@
             <a:r>
               <a:rPr lang="en-US" altLang="en-US" sz="2800" dirty="0">
                 <a:solidFill>
+                  <a:schemeClr val="accent2">
+                    <a:lumMod val="40000"/>
+                    <a:lumOff val="60000"/>
+                  </a:schemeClr>
+                </a:solidFill>
+                <a:latin typeface="Arial" panose="020B0604020202020204" pitchFamily="34" charset="0"/>
+              </a:rPr>
+              <a:t>Define</a:t>
+            </a:r>
+            <a:r>
+              <a:rPr lang="en-US" altLang="en-US" sz="2800" dirty="0">
+                <a:solidFill>
                   <a:schemeClr val="accent5">
                     <a:lumMod val="40000"/>
                     <a:lumOff val="60000"/>
@@ -5284,7 +5276,7 @@
                 </a:solidFill>
                 <a:latin typeface="Arial" panose="020B0604020202020204" pitchFamily="34" charset="0"/>
               </a:rPr>
-              <a:t>Define the core message or hypothesis of the project. </a:t>
+              <a:t> the core message or hypothesis of the project. </a:t>
             </a:r>
           </a:p>
           <a:p>
@@ -6045,13 +6037,13 @@
   <p:clrMapOvr>
     <a:masterClrMapping/>
   </p:clrMapOvr>
-  <mc:AlternateContent xmlns:mc="http://schemas.openxmlformats.org/markup-compatibility/2006">
-    <mc:Choice xmlns:p159="http://schemas.microsoft.com/office/powerpoint/2015/09/main" Requires="p159">
+  <mc:AlternateContent xmlns:mc="http://schemas.openxmlformats.org/markup-compatibility/2006" xmlns:p159="http://schemas.microsoft.com/office/powerpoint/2015/09/main">
+    <mc:Choice Requires="p159">
       <p:transition xmlns:p14="http://schemas.microsoft.com/office/powerpoint/2010/main" spd="slow" p14:dur="2000">
         <p159:morph option="byObject"/>
       </p:transition>
     </mc:Choice>
-    <mc:Fallback>
+    <mc:Fallback xmlns="">
       <p:transition spd="slow">
         <p:fade/>
       </p:transition>
@@ -6258,13 +6250,13 @@
   <p:clrMapOvr>
     <a:masterClrMapping/>
   </p:clrMapOvr>
-  <mc:AlternateContent xmlns:mc="http://schemas.openxmlformats.org/markup-compatibility/2006">
-    <mc:Choice xmlns:p159="http://schemas.microsoft.com/office/powerpoint/2015/09/main" Requires="p159">
+  <mc:AlternateContent xmlns:mc="http://schemas.openxmlformats.org/markup-compatibility/2006" xmlns:p159="http://schemas.microsoft.com/office/powerpoint/2015/09/main">
+    <mc:Choice Requires="p159">
       <p:transition xmlns:p14="http://schemas.microsoft.com/office/powerpoint/2010/main" spd="slow" p14:dur="2000">
         <p159:morph option="byObject"/>
       </p:transition>
     </mc:Choice>
-    <mc:Fallback>
+    <mc:Fallback xmlns="">
       <p:transition spd="slow">
         <p:fade/>
       </p:transition>
@@ -6471,13 +6463,13 @@
   <p:clrMapOvr>
     <a:masterClrMapping/>
   </p:clrMapOvr>
-  <mc:AlternateContent xmlns:mc="http://schemas.openxmlformats.org/markup-compatibility/2006">
-    <mc:Choice xmlns:p159="http://schemas.microsoft.com/office/powerpoint/2015/09/main" Requires="p159">
+  <mc:AlternateContent xmlns:mc="http://schemas.openxmlformats.org/markup-compatibility/2006" xmlns:p159="http://schemas.microsoft.com/office/powerpoint/2015/09/main">
+    <mc:Choice Requires="p159">
       <p:transition xmlns:p14="http://schemas.microsoft.com/office/powerpoint/2010/main" spd="slow" p14:dur="2000">
         <p159:morph option="byObject"/>
       </p:transition>
     </mc:Choice>
-    <mc:Fallback>
+    <mc:Fallback xmlns="">
       <p:transition spd="slow">
         <p:fade/>
       </p:transition>
@@ -6684,13 +6676,13 @@
   <p:clrMapOvr>
     <a:masterClrMapping/>
   </p:clrMapOvr>
-  <mc:AlternateContent xmlns:mc="http://schemas.openxmlformats.org/markup-compatibility/2006">
-    <mc:Choice xmlns:p159="http://schemas.microsoft.com/office/powerpoint/2015/09/main" Requires="p159">
+  <mc:AlternateContent xmlns:mc="http://schemas.openxmlformats.org/markup-compatibility/2006" xmlns:p159="http://schemas.microsoft.com/office/powerpoint/2015/09/main">
+    <mc:Choice Requires="p159">
       <p:transition xmlns:p14="http://schemas.microsoft.com/office/powerpoint/2010/main" spd="slow" p14:dur="2000">
         <p159:morph option="byObject"/>
       </p:transition>
     </mc:Choice>
-    <mc:Fallback>
+    <mc:Fallback xmlns="">
       <p:transition spd="slow">
         <p:fade/>
       </p:transition>
@@ -6933,13 +6925,13 @@
   <p:clrMapOvr>
     <a:masterClrMapping/>
   </p:clrMapOvr>
-  <mc:AlternateContent xmlns:mc="http://schemas.openxmlformats.org/markup-compatibility/2006">
-    <mc:Choice xmlns:p159="http://schemas.microsoft.com/office/powerpoint/2015/09/main" Requires="p159">
+  <mc:AlternateContent xmlns:mc="http://schemas.openxmlformats.org/markup-compatibility/2006" xmlns:p159="http://schemas.microsoft.com/office/powerpoint/2015/09/main">
+    <mc:Choice Requires="p159">
       <p:transition xmlns:p14="http://schemas.microsoft.com/office/powerpoint/2010/main" spd="slow" p14:dur="2000">
         <p159:morph option="byObject"/>
       </p:transition>
     </mc:Choice>
-    <mc:Fallback>
+    <mc:Fallback xmlns="">
       <p:transition spd="slow">
         <p:fade/>
       </p:transition>
